--- a/materials/slides/ch10/基于Python的接口框架设计.pptx
+++ b/materials/slides/ch10/基于Python的接口框架设计.pptx
@@ -5,7 +5,7 @@
     <p:sldMasterId id="2147483660" r:id="rId1"/>
   </p:sldMasterIdLst>
   <p:notesMasterIdLst>
-    <p:notesMasterId r:id="rId15"/>
+    <p:notesMasterId r:id="rId14"/>
   </p:notesMasterIdLst>
   <p:sldIdLst>
     <p:sldId id="256" r:id="rId2"/>
@@ -20,7 +20,6 @@
     <p:sldId id="270" r:id="rId11"/>
     <p:sldId id="266" r:id="rId12"/>
     <p:sldId id="271" r:id="rId13"/>
-    <p:sldId id="273" r:id="rId14"/>
   </p:sldIdLst>
   <p:sldSz cx="9144000" cy="5143500" type="screen16x9"/>
   <p:notesSz cx="6858000" cy="9144000"/>
@@ -119,6 +118,22 @@
       </a:defRPr>
     </a:lvl9pPr>
   </p:defaultTextStyle>
+  <p:extLst>
+    <p:ext uri="{EFAFB233-063F-42B5-8137-9DF3F51BA10A}">
+      <p15:sldGuideLst xmlns:p15="http://schemas.microsoft.com/office/powerpoint/2012/main">
+        <p15:guide id="1" orient="horz" pos="1620">
+          <p15:clr>
+            <a:srgbClr val="A4A3A4"/>
+          </p15:clr>
+        </p15:guide>
+        <p15:guide id="2" pos="2880">
+          <p15:clr>
+            <a:srgbClr val="A4A3A4"/>
+          </p15:clr>
+        </p15:guide>
+      </p15:sldGuideLst>
+    </p:ext>
+  </p:extLst>
 </p:presentation>
 </file>
 
@@ -204,7 +219,7 @@
           <a:p>
             <a:fld id="{E45DE43E-AE57-4683-A429-3F46F1978ACA}" type="datetimeFigureOut">
               <a:rPr lang="zh-CN" altLang="en-US" smtClean="0"/>
-              <a:t>2019/10/7</a:t>
+              <a:t>2020/10/6</a:t>
             </a:fld>
             <a:endParaRPr lang="zh-CN" altLang="en-US"/>
           </a:p>
@@ -268,38 +283,37 @@
           <a:p>
             <a:pPr lvl="0"/>
             <a:r>
-              <a:rPr lang="zh-CN" altLang="en-US" smtClean="0"/>
+              <a:rPr lang="zh-CN" altLang="en-US"/>
               <a:t>单击此处编辑母版文本样式</a:t>
             </a:r>
           </a:p>
           <a:p>
             <a:pPr lvl="1"/>
             <a:r>
-              <a:rPr lang="zh-CN" altLang="en-US" smtClean="0"/>
+              <a:rPr lang="zh-CN" altLang="en-US"/>
               <a:t>第二级</a:t>
             </a:r>
           </a:p>
           <a:p>
             <a:pPr lvl="2"/>
             <a:r>
-              <a:rPr lang="zh-CN" altLang="en-US" smtClean="0"/>
+              <a:rPr lang="zh-CN" altLang="en-US"/>
               <a:t>第三级</a:t>
             </a:r>
           </a:p>
           <a:p>
             <a:pPr lvl="3"/>
             <a:r>
-              <a:rPr lang="zh-CN" altLang="en-US" smtClean="0"/>
+              <a:rPr lang="zh-CN" altLang="en-US"/>
               <a:t>第四级</a:t>
             </a:r>
           </a:p>
           <a:p>
             <a:pPr lvl="4"/>
             <a:r>
-              <a:rPr lang="zh-CN" altLang="en-US" smtClean="0"/>
+              <a:rPr lang="zh-CN" altLang="en-US"/>
               <a:t>第五级</a:t>
             </a:r>
-            <a:endParaRPr lang="zh-CN" altLang="en-US"/>
           </a:p>
         </p:txBody>
       </p:sp>
@@ -517,25 +531,25 @@
           <a:lstStyle/>
           <a:p>
             <a:r>
-              <a:rPr lang="en-US" altLang="zh-CN" dirty="0" smtClean="0"/>
+              <a:rPr lang="en-US" altLang="zh-CN" dirty="0"/>
               <a:t>python</a:t>
             </a:r>
             <a:r>
-              <a:rPr lang="en-US" altLang="zh-CN" baseline="0" dirty="0" smtClean="0"/>
+              <a:rPr lang="en-US" altLang="zh-CN" baseline="0" dirty="0"/>
               <a:t> –m </a:t>
             </a:r>
             <a:r>
-              <a:rPr lang="en-US" altLang="zh-CN" baseline="0" dirty="0" err="1" smtClean="0"/>
+              <a:rPr lang="en-US" altLang="zh-CN" baseline="0" dirty="0" err="1"/>
               <a:t>django</a:t>
             </a:r>
             <a:r>
-              <a:rPr lang="en-US" altLang="zh-CN" baseline="0" dirty="0" smtClean="0"/>
+              <a:rPr lang="en-US" altLang="zh-CN" baseline="0" dirty="0"/>
               <a:t> –version</a:t>
             </a:r>
           </a:p>
           <a:p>
             <a:r>
-              <a:rPr lang="en-US" altLang="zh-CN" baseline="0" dirty="0" smtClean="0"/>
+              <a:rPr lang="en-US" altLang="zh-CN" baseline="0" dirty="0"/>
               <a:t>sublime atom</a:t>
             </a:r>
             <a:endParaRPr lang="zh-CN" altLang="en-US" dirty="0"/>
@@ -612,7 +626,7 @@
           <a:p>
             <a:fld id="{530820CF-B880-4189-942D-D702A7CBA730}" type="datetimeFigureOut">
               <a:rPr lang="zh-CN" altLang="en-US" smtClean="0"/>
-              <a:t>2019/10/7</a:t>
+              <a:t>2020/10/6</a:t>
             </a:fld>
             <a:endParaRPr lang="zh-CN" altLang="en-US"/>
           </a:p>
@@ -785,7 +799,7 @@
           </a:lstStyle>
           <a:p>
             <a:r>
-              <a:rPr lang="zh-CN" altLang="en-US" smtClean="0"/>
+              <a:rPr lang="zh-CN" altLang="en-US"/>
               <a:t>单击此处编辑母版标题样式</a:t>
             </a:r>
             <a:endParaRPr lang="zh-CN" altLang="en-US" dirty="0"/>
@@ -904,10 +918,9 @@
           </a:lstStyle>
           <a:p>
             <a:r>
-              <a:rPr lang="zh-CN" altLang="en-US" smtClean="0"/>
+              <a:rPr lang="zh-CN" altLang="en-US"/>
               <a:t>单击此处编辑母版副标题样式</a:t>
             </a:r>
-            <a:endParaRPr lang="zh-CN" altLang="en-US"/>
           </a:p>
         </p:txBody>
       </p:sp>
@@ -958,35 +971,35 @@
           <a:p>
             <a:pPr lvl="0"/>
             <a:r>
-              <a:rPr lang="zh-CN" altLang="en-US" smtClean="0"/>
+              <a:rPr lang="zh-CN" altLang="en-US"/>
               <a:t>单击此处编辑母版文本样式</a:t>
             </a:r>
           </a:p>
           <a:p>
             <a:pPr lvl="1"/>
             <a:r>
-              <a:rPr lang="zh-CN" altLang="en-US" smtClean="0"/>
+              <a:rPr lang="zh-CN" altLang="en-US"/>
               <a:t>第二级</a:t>
             </a:r>
           </a:p>
           <a:p>
             <a:pPr lvl="2"/>
             <a:r>
-              <a:rPr lang="zh-CN" altLang="en-US" smtClean="0"/>
+              <a:rPr lang="zh-CN" altLang="en-US"/>
               <a:t>第三级</a:t>
             </a:r>
           </a:p>
           <a:p>
             <a:pPr lvl="3"/>
             <a:r>
-              <a:rPr lang="zh-CN" altLang="en-US" smtClean="0"/>
+              <a:rPr lang="zh-CN" altLang="en-US"/>
               <a:t>第四级</a:t>
             </a:r>
           </a:p>
           <a:p>
             <a:pPr lvl="4"/>
             <a:r>
-              <a:rPr lang="zh-CN" altLang="en-US" smtClean="0"/>
+              <a:rPr lang="zh-CN" altLang="en-US"/>
               <a:t>第五级</a:t>
             </a:r>
             <a:endParaRPr lang="zh-CN" altLang="en-US" dirty="0"/>
@@ -1010,7 +1023,7 @@
           <a:p>
             <a:fld id="{530820CF-B880-4189-942D-D702A7CBA730}" type="datetimeFigureOut">
               <a:rPr lang="zh-CN" altLang="en-US" smtClean="0"/>
-              <a:t>2019/10/7</a:t>
+              <a:t>2020/10/6</a:t>
             </a:fld>
             <a:endParaRPr lang="zh-CN" altLang="en-US"/>
           </a:p>
@@ -1137,7 +1150,7 @@
           </a:lstStyle>
           <a:p>
             <a:r>
-              <a:rPr lang="zh-CN" altLang="en-US" smtClean="0"/>
+              <a:rPr lang="zh-CN" altLang="en-US"/>
               <a:t>单击此处编辑母版标题样式</a:t>
             </a:r>
             <a:endParaRPr lang="zh-CN" altLang="en-US" dirty="0"/>
@@ -1222,35 +1235,35 @@
           <a:p>
             <a:pPr lvl="0"/>
             <a:r>
-              <a:rPr lang="zh-CN" altLang="en-US" smtClean="0"/>
+              <a:rPr lang="zh-CN" altLang="en-US"/>
               <a:t>单击此处编辑母版文本样式</a:t>
             </a:r>
           </a:p>
           <a:p>
             <a:pPr lvl="1"/>
             <a:r>
-              <a:rPr lang="zh-CN" altLang="en-US" smtClean="0"/>
+              <a:rPr lang="zh-CN" altLang="en-US"/>
               <a:t>第二级</a:t>
             </a:r>
           </a:p>
           <a:p>
             <a:pPr lvl="2"/>
             <a:r>
-              <a:rPr lang="zh-CN" altLang="en-US" smtClean="0"/>
+              <a:rPr lang="zh-CN" altLang="en-US"/>
               <a:t>第三级</a:t>
             </a:r>
           </a:p>
           <a:p>
             <a:pPr lvl="3"/>
             <a:r>
-              <a:rPr lang="zh-CN" altLang="en-US" smtClean="0"/>
+              <a:rPr lang="zh-CN" altLang="en-US"/>
               <a:t>第四级</a:t>
             </a:r>
           </a:p>
           <a:p>
             <a:pPr lvl="4"/>
             <a:r>
-              <a:rPr lang="zh-CN" altLang="en-US" smtClean="0"/>
+              <a:rPr lang="zh-CN" altLang="en-US"/>
               <a:t>第五级</a:t>
             </a:r>
             <a:endParaRPr lang="zh-CN" altLang="en-US" dirty="0"/>
@@ -1331,10 +1344,9 @@
           </a:lstStyle>
           <a:p>
             <a:r>
-              <a:rPr lang="zh-CN" altLang="en-US" dirty="0" smtClean="0"/>
+              <a:rPr lang="zh-CN" altLang="en-US" dirty="0"/>
               <a:t>单击此处编辑母版标题样式</a:t>
             </a:r>
-            <a:endParaRPr lang="zh-CN" altLang="en-US" dirty="0"/>
           </a:p>
         </p:txBody>
       </p:sp>
@@ -1394,13 +1406,6 @@
   <p:clrMapOvr>
     <a:masterClrMapping/>
   </p:clrMapOvr>
-  <p:timing>
-    <p:tnLst>
-      <p:par>
-        <p:cTn id="1" dur="indefinite" restart="never" nodeType="tmRoot"/>
-      </p:par>
-    </p:tnLst>
-  </p:timing>
 </p:sldLayout>
 </file>
 
@@ -1452,10 +1457,9 @@
           <a:lstStyle/>
           <a:p>
             <a:r>
-              <a:rPr lang="zh-CN" altLang="en-US" smtClean="0"/>
+              <a:rPr lang="zh-CN" altLang="en-US"/>
               <a:t>单击此处编辑母版标题样式</a:t>
             </a:r>
-            <a:endParaRPr lang="zh-CN" altLang="en-US"/>
           </a:p>
         </p:txBody>
       </p:sp>
@@ -1486,38 +1490,37 @@
           <a:p>
             <a:pPr lvl="0"/>
             <a:r>
-              <a:rPr lang="zh-CN" altLang="en-US" smtClean="0"/>
+              <a:rPr lang="zh-CN" altLang="en-US"/>
               <a:t>单击此处编辑母版文本样式</a:t>
             </a:r>
           </a:p>
           <a:p>
             <a:pPr lvl="1"/>
             <a:r>
-              <a:rPr lang="zh-CN" altLang="en-US" smtClean="0"/>
+              <a:rPr lang="zh-CN" altLang="en-US"/>
               <a:t>第二级</a:t>
             </a:r>
           </a:p>
           <a:p>
             <a:pPr lvl="2"/>
             <a:r>
-              <a:rPr lang="zh-CN" altLang="en-US" smtClean="0"/>
+              <a:rPr lang="zh-CN" altLang="en-US"/>
               <a:t>第三级</a:t>
             </a:r>
           </a:p>
           <a:p>
             <a:pPr lvl="3"/>
             <a:r>
-              <a:rPr lang="zh-CN" altLang="en-US" smtClean="0"/>
+              <a:rPr lang="zh-CN" altLang="en-US"/>
               <a:t>第四级</a:t>
             </a:r>
           </a:p>
           <a:p>
             <a:pPr lvl="4"/>
             <a:r>
-              <a:rPr lang="zh-CN" altLang="en-US" smtClean="0"/>
+              <a:rPr lang="zh-CN" altLang="en-US"/>
               <a:t>第五级</a:t>
             </a:r>
-            <a:endParaRPr lang="zh-CN" altLang="en-US"/>
           </a:p>
         </p:txBody>
       </p:sp>
@@ -1556,7 +1559,7 @@
           <a:p>
             <a:fld id="{530820CF-B880-4189-942D-D702A7CBA730}" type="datetimeFigureOut">
               <a:rPr lang="zh-CN" altLang="en-US" smtClean="0"/>
-              <a:t>2019/10/7</a:t>
+              <a:t>2020/10/6</a:t>
             </a:fld>
             <a:endParaRPr lang="zh-CN" altLang="en-US"/>
           </a:p>
@@ -1959,13 +1962,6 @@
   <p:clrMapOvr>
     <a:masterClrMapping/>
   </p:clrMapOvr>
-  <p:timing>
-    <p:tnLst>
-      <p:par>
-        <p:cTn id="1" dur="indefinite" restart="never" nodeType="tmRoot"/>
-      </p:par>
-    </p:tnLst>
-  </p:timing>
 </p:sld>
 </file>
 
@@ -2048,10 +2044,6 @@
             <a:br>
               <a:rPr lang="en-US" altLang="zh-CN" sz="2400" b="1" dirty="0"/>
             </a:br>
-            <a:r>
-              <a:rPr lang="en-US" altLang="zh-CN" sz="2400" b="1" dirty="0"/>
-              <a:t/>
-            </a:r>
             <a:br>
               <a:rPr lang="en-US" altLang="zh-CN" sz="2400" b="1" dirty="0"/>
             </a:br>
@@ -2185,13 +2177,8 @@
             </a:r>
             <a:r>
               <a:rPr lang="zh-CN" altLang="en-US" dirty="0"/>
-              <a:t>获得</a:t>
-            </a:r>
-            <a:r>
-              <a:rPr lang="zh-CN" altLang="en-US" dirty="0" smtClean="0"/>
-              <a:t>内容</a:t>
-            </a:r>
-            <a:endParaRPr lang="zh-CN" altLang="en-US" dirty="0"/>
+              <a:t>获得内容</a:t>
+            </a:r>
           </a:p>
         </p:txBody>
       </p:sp>
@@ -2244,13 +2231,8 @@
           <a:p>
             <a:r>
               <a:rPr lang="zh-CN" altLang="en-US" dirty="0"/>
-              <a:t>构建发送邮件</a:t>
-            </a:r>
-            <a:r>
-              <a:rPr lang="zh-CN" altLang="en-US" dirty="0" smtClean="0"/>
-              <a:t>服务</a:t>
-            </a:r>
-            <a:endParaRPr lang="zh-CN" altLang="en-US" dirty="0"/>
+              <a:t>构建发送邮件服务</a:t>
+            </a:r>
           </a:p>
         </p:txBody>
       </p:sp>
@@ -2367,110 +2349,109 @@
               <a:buNone/>
             </a:pPr>
             <a:r>
-              <a:rPr lang="en-US" altLang="zh-CN" dirty="0" smtClean="0"/>
+              <a:rPr lang="en-US" altLang="zh-CN" dirty="0"/>
               <a:t>requests </a:t>
             </a:r>
             <a:r>
-              <a:rPr lang="zh-CN" altLang="en-US" dirty="0" smtClean="0"/>
+              <a:rPr lang="zh-CN" altLang="en-US" dirty="0"/>
               <a:t>接口测试，发送</a:t>
             </a:r>
             <a:r>
-              <a:rPr lang="en-US" altLang="zh-CN" dirty="0" smtClean="0"/>
+              <a:rPr lang="en-US" altLang="zh-CN" dirty="0"/>
               <a:t>http</a:t>
             </a:r>
             <a:r>
-              <a:rPr lang="zh-CN" altLang="en-US" dirty="0" smtClean="0"/>
+              <a:rPr lang="zh-CN" altLang="en-US" dirty="0"/>
               <a:t>请求</a:t>
             </a:r>
-            <a:endParaRPr lang="en-US" altLang="zh-CN" dirty="0" smtClean="0"/>
+            <a:endParaRPr lang="en-US" altLang="zh-CN" dirty="0"/>
           </a:p>
           <a:p>
             <a:pPr marL="0" indent="0">
               <a:buNone/>
             </a:pPr>
             <a:r>
-              <a:rPr lang="en-US" altLang="zh-CN" dirty="0" err="1" smtClean="0"/>
+              <a:rPr lang="en-US" altLang="zh-CN" dirty="0" err="1"/>
               <a:t>unittest</a:t>
             </a:r>
             <a:r>
-              <a:rPr lang="en-US" altLang="zh-CN" dirty="0" smtClean="0"/>
+              <a:rPr lang="en-US" altLang="zh-CN" dirty="0"/>
               <a:t> </a:t>
             </a:r>
             <a:r>
-              <a:rPr lang="zh-CN" altLang="en-US" dirty="0" smtClean="0"/>
+              <a:rPr lang="zh-CN" altLang="en-US" dirty="0"/>
               <a:t>管理测试用例</a:t>
             </a:r>
-            <a:endParaRPr lang="en-US" altLang="zh-CN" dirty="0" smtClean="0"/>
+            <a:endParaRPr lang="en-US" altLang="zh-CN" dirty="0"/>
           </a:p>
           <a:p>
             <a:pPr marL="0" indent="0">
               <a:buNone/>
             </a:pPr>
             <a:r>
-              <a:rPr lang="en-US" altLang="zh-CN" dirty="0" err="1" smtClean="0"/>
+              <a:rPr lang="en-US" altLang="zh-CN" dirty="0" err="1"/>
               <a:t>HTMLTestRunner</a:t>
             </a:r>
             <a:r>
-              <a:rPr lang="en-US" altLang="zh-CN" dirty="0" smtClean="0"/>
+              <a:rPr lang="en-US" altLang="zh-CN" dirty="0"/>
               <a:t> </a:t>
             </a:r>
             <a:r>
-              <a:rPr lang="zh-CN" altLang="en-US" dirty="0" smtClean="0"/>
+              <a:rPr lang="zh-CN" altLang="en-US" dirty="0"/>
               <a:t>生成测试报告</a:t>
             </a:r>
-            <a:endParaRPr lang="en-US" altLang="zh-CN" dirty="0" smtClean="0"/>
+            <a:endParaRPr lang="en-US" altLang="zh-CN" dirty="0"/>
           </a:p>
           <a:p>
             <a:pPr marL="0" indent="0">
               <a:buNone/>
             </a:pPr>
             <a:r>
-              <a:rPr lang="en-US" altLang="zh-CN" dirty="0" err="1" smtClean="0"/>
+              <a:rPr lang="en-US" altLang="zh-CN" dirty="0" err="1"/>
               <a:t>xlrd</a:t>
             </a:r>
             <a:r>
-              <a:rPr lang="en-US" altLang="zh-CN" dirty="0" smtClean="0"/>
+              <a:rPr lang="en-US" altLang="zh-CN" dirty="0"/>
               <a:t> </a:t>
             </a:r>
             <a:r>
-              <a:rPr lang="zh-CN" altLang="en-US" dirty="0" smtClean="0"/>
+              <a:rPr lang="zh-CN" altLang="en-US" dirty="0"/>
               <a:t>获取</a:t>
             </a:r>
             <a:r>
-              <a:rPr lang="en-US" altLang="zh-CN" dirty="0" smtClean="0"/>
+              <a:rPr lang="en-US" altLang="zh-CN" dirty="0"/>
               <a:t>excel</a:t>
             </a:r>
             <a:r>
-              <a:rPr lang="zh-CN" altLang="en-US" dirty="0" smtClean="0"/>
+              <a:rPr lang="zh-CN" altLang="en-US" dirty="0"/>
               <a:t>的文件</a:t>
             </a:r>
             <a:r>
-              <a:rPr lang="en-US" altLang="zh-CN" dirty="0" smtClean="0"/>
+              <a:rPr lang="en-US" altLang="zh-CN" dirty="0"/>
               <a:t>,</a:t>
             </a:r>
             <a:r>
-              <a:rPr lang="zh-CN" altLang="en-US" dirty="0" smtClean="0"/>
+              <a:rPr lang="zh-CN" altLang="en-US" dirty="0"/>
               <a:t>实现数据驱动模式</a:t>
             </a:r>
-            <a:endParaRPr lang="en-US" altLang="zh-CN" dirty="0" smtClean="0"/>
+            <a:endParaRPr lang="en-US" altLang="zh-CN" dirty="0"/>
           </a:p>
           <a:p>
             <a:pPr marL="0" indent="0">
               <a:buNone/>
             </a:pPr>
             <a:r>
-              <a:rPr lang="en-US" altLang="zh-CN" dirty="0" err="1" smtClean="0"/>
+              <a:rPr lang="en-US" altLang="zh-CN" dirty="0" err="1"/>
               <a:t>smtplib</a:t>
             </a:r>
             <a:r>
-              <a:rPr lang="en-US" altLang="zh-CN" dirty="0" smtClean="0"/>
+              <a:rPr lang="en-US" altLang="zh-CN" dirty="0"/>
               <a:t> </a:t>
             </a:r>
             <a:r>
-              <a:rPr lang="zh-CN" altLang="en-US" dirty="0" smtClean="0"/>
+              <a:rPr lang="zh-CN" altLang="en-US" dirty="0"/>
               <a:t>发送邮件</a:t>
             </a:r>
-            <a:endParaRPr lang="zh-CN" altLang="en-US" dirty="0"/>
           </a:p>
         </p:txBody>
       </p:sp>
@@ -2492,7 +2473,7 @@
           <a:lstStyle/>
           <a:p>
             <a:r>
-              <a:rPr lang="en-US" altLang="zh-CN" dirty="0" smtClean="0"/>
+              <a:rPr lang="en-US" altLang="zh-CN" dirty="0"/>
               <a:t>python</a:t>
             </a:r>
             <a:endParaRPr lang="zh-CN" altLang="en-US" dirty="0"/>
@@ -2503,177 +2484,6 @@
     <p:extLst>
       <p:ext uri="{BB962C8B-B14F-4D97-AF65-F5344CB8AC3E}">
         <p14:creationId xmlns:p14="http://schemas.microsoft.com/office/powerpoint/2010/main" val="2707525008"/>
-      </p:ext>
-    </p:extLst>
-  </p:cSld>
-  <p:clrMapOvr>
-    <a:masterClrMapping/>
-  </p:clrMapOvr>
-</p:sld>
-</file>
-
-<file path=ppt/slides/slide13.xml><?xml version="1.0" encoding="utf-8"?>
-<p:sld xmlns:a="http://schemas.openxmlformats.org/drawingml/2006/main" xmlns:r="http://schemas.openxmlformats.org/officeDocument/2006/relationships" xmlns:p="http://schemas.openxmlformats.org/presentationml/2006/main">
-  <p:cSld>
-    <p:spTree>
-      <p:nvGrpSpPr>
-        <p:cNvPr id="1" name=""/>
-        <p:cNvGrpSpPr/>
-        <p:nvPr/>
-      </p:nvGrpSpPr>
-      <p:grpSpPr>
-        <a:xfrm>
-          <a:off x="0" y="0"/>
-          <a:ext cx="0" cy="0"/>
-          <a:chOff x="0" y="0"/>
-          <a:chExt cx="0" cy="0"/>
-        </a:xfrm>
-      </p:grpSpPr>
-      <p:sp>
-        <p:nvSpPr>
-          <p:cNvPr id="2" name="内容占位符 1"/>
-          <p:cNvSpPr>
-            <a:spLocks noGrp="1"/>
-          </p:cNvSpPr>
-          <p:nvPr>
-            <p:ph idx="1"/>
-          </p:nvPr>
-        </p:nvSpPr>
-        <p:spPr/>
-        <p:txBody>
-          <a:bodyPr/>
-          <a:lstStyle/>
-          <a:p>
-            <a:pPr marL="0" indent="0">
-              <a:buNone/>
-            </a:pPr>
-            <a:r>
-              <a:rPr lang="en-US" altLang="zh-CN" dirty="0" smtClean="0"/>
-              <a:t>1</a:t>
-            </a:r>
-            <a:r>
-              <a:rPr lang="zh-CN" altLang="en-US" dirty="0" smtClean="0"/>
-              <a:t>、利用</a:t>
-            </a:r>
-            <a:r>
-              <a:rPr lang="en-US" altLang="zh-CN" dirty="0" smtClean="0"/>
-              <a:t>requests</a:t>
-            </a:r>
-            <a:r>
-              <a:rPr lang="zh-CN" altLang="en-US" dirty="0"/>
-              <a:t>实现场景</a:t>
-            </a:r>
-            <a:r>
-              <a:rPr lang="en-US" altLang="zh-CN" dirty="0"/>
-              <a:t>3</a:t>
-            </a:r>
-            <a:r>
-              <a:rPr lang="zh-CN" altLang="en-US" dirty="0"/>
-              <a:t>：</a:t>
-            </a:r>
-          </a:p>
-          <a:p>
-            <a:pPr marL="0" indent="0">
-              <a:buNone/>
-            </a:pPr>
-            <a:r>
-              <a:rPr lang="zh-CN" altLang="en-US" dirty="0"/>
-              <a:t>完整下单流程</a:t>
-            </a:r>
-            <a:r>
-              <a:rPr lang="en-US" altLang="zh-CN" dirty="0" smtClean="0"/>
-              <a:t>(</a:t>
-            </a:r>
-            <a:r>
-              <a:rPr lang="zh-CN" altLang="en-US" dirty="0" smtClean="0"/>
-              <a:t>登录</a:t>
-            </a:r>
-            <a:r>
-              <a:rPr lang="en-US" altLang="zh-CN" dirty="0" smtClean="0"/>
-              <a:t>-</a:t>
-            </a:r>
-            <a:r>
-              <a:rPr lang="zh-CN" altLang="en-US" dirty="0" smtClean="0"/>
-              <a:t>有收货地址</a:t>
-            </a:r>
-            <a:r>
-              <a:rPr lang="en-US" altLang="zh-CN" dirty="0" smtClean="0"/>
-              <a:t>-post</a:t>
-            </a:r>
-            <a:r>
-              <a:rPr lang="zh-CN" altLang="en-US" dirty="0" smtClean="0"/>
-              <a:t>，获取收货地址</a:t>
-            </a:r>
-            <a:r>
-              <a:rPr lang="en-US" altLang="zh-CN" dirty="0" smtClean="0"/>
-              <a:t>get</a:t>
-            </a:r>
-            <a:r>
-              <a:rPr lang="zh-CN" altLang="en-US" dirty="0" smtClean="0"/>
-              <a:t>，获取运费</a:t>
-            </a:r>
-            <a:r>
-              <a:rPr lang="en-US" altLang="zh-CN" dirty="0" smtClean="0"/>
-              <a:t>get</a:t>
-            </a:r>
-            <a:r>
-              <a:rPr lang="zh-CN" altLang="en-US" dirty="0" smtClean="0"/>
-              <a:t>，提交订单</a:t>
-            </a:r>
-            <a:r>
-              <a:rPr lang="en-US" altLang="zh-CN" dirty="0" smtClean="0"/>
-              <a:t>post)</a:t>
-            </a:r>
-          </a:p>
-          <a:p>
-            <a:pPr marL="0" indent="0">
-              <a:buNone/>
-            </a:pPr>
-            <a:r>
-              <a:rPr lang="en-US" altLang="zh-CN" dirty="0" smtClean="0"/>
-              <a:t>2</a:t>
-            </a:r>
-            <a:r>
-              <a:rPr lang="zh-CN" altLang="en-US" dirty="0" smtClean="0"/>
-              <a:t>、在</a:t>
-            </a:r>
-            <a:r>
-              <a:rPr lang="en-US" altLang="zh-CN" dirty="0" smtClean="0"/>
-              <a:t>1</a:t>
-            </a:r>
-            <a:r>
-              <a:rPr lang="zh-CN" altLang="en-US" dirty="0" smtClean="0"/>
-              <a:t>的基础上参数化用户名，密码</a:t>
-            </a:r>
-            <a:endParaRPr lang="zh-CN" altLang="en-US" dirty="0"/>
-          </a:p>
-        </p:txBody>
-      </p:sp>
-      <p:sp>
-        <p:nvSpPr>
-          <p:cNvPr id="3" name="标题 2"/>
-          <p:cNvSpPr>
-            <a:spLocks noGrp="1"/>
-          </p:cNvSpPr>
-          <p:nvPr>
-            <p:ph type="title"/>
-          </p:nvPr>
-        </p:nvSpPr>
-        <p:spPr/>
-        <p:txBody>
-          <a:bodyPr>
-            <a:normAutofit fontScale="90000"/>
-          </a:bodyPr>
-          <a:lstStyle/>
-          <a:p>
-            <a:endParaRPr lang="zh-CN" altLang="en-US"/>
-          </a:p>
-        </p:txBody>
-      </p:sp>
-    </p:spTree>
-    <p:extLst>
-      <p:ext uri="{BB962C8B-B14F-4D97-AF65-F5344CB8AC3E}">
-        <p14:creationId xmlns:p14="http://schemas.microsoft.com/office/powerpoint/2010/main" val="2935023373"/>
       </p:ext>
     </p:extLst>
   </p:cSld>
@@ -2724,34 +2534,28 @@
               <a:buNone/>
             </a:pPr>
             <a:r>
-              <a:rPr lang="en-US" altLang="zh-CN" dirty="0" smtClean="0">
+              <a:rPr lang="en-US" altLang="zh-CN" dirty="0">
                 <a:latin typeface="+mn-ea"/>
               </a:rPr>
               <a:t>1</a:t>
             </a:r>
             <a:r>
-              <a:rPr lang="zh-CN" altLang="en-US" dirty="0" smtClean="0">
+              <a:rPr lang="zh-CN" altLang="en-US" dirty="0">
                 <a:latin typeface="+mn-ea"/>
               </a:rPr>
               <a:t>、</a:t>
             </a:r>
             <a:r>
-              <a:rPr lang="en-US" altLang="zh-CN" dirty="0" smtClean="0">
+              <a:rPr lang="en-US" altLang="zh-CN" dirty="0">
                 <a:latin typeface="+mn-ea"/>
               </a:rPr>
               <a:t>Common</a:t>
             </a:r>
             <a:r>
-              <a:rPr lang="zh-CN" altLang="en-US" dirty="0" smtClean="0">
-                <a:latin typeface="+mn-ea"/>
-              </a:rPr>
-              <a:t>类存储域名，存储</a:t>
-            </a:r>
-            <a:r>
               <a:rPr lang="zh-CN" altLang="en-US" dirty="0">
                 <a:latin typeface="+mn-ea"/>
               </a:rPr>
-              <a:t>获得</a:t>
+              <a:t>模块存储域名，存储获得</a:t>
             </a:r>
             <a:r>
               <a:rPr lang="en-US" altLang="zh-CN" dirty="0">
@@ -2760,12 +2564,12 @@
               <a:t>cookie</a:t>
             </a:r>
             <a:r>
-              <a:rPr lang="zh-CN" altLang="en-US" dirty="0" smtClean="0">
+              <a:rPr lang="zh-CN" altLang="en-US" dirty="0">
                 <a:latin typeface="+mn-ea"/>
               </a:rPr>
               <a:t>方法</a:t>
             </a:r>
-            <a:endParaRPr lang="en-US" altLang="zh-CN" dirty="0" smtClean="0">
+            <a:endParaRPr lang="en-US" altLang="zh-CN" dirty="0">
               <a:latin typeface="+mn-ea"/>
             </a:endParaRPr>
           </a:p>
@@ -2777,42 +2581,42 @@
               <a:buNone/>
             </a:pPr>
             <a:r>
-              <a:rPr lang="en-US" altLang="zh-CN" dirty="0" smtClean="0">
+              <a:rPr lang="en-US" altLang="zh-CN" dirty="0">
                 <a:latin typeface="+mn-ea"/>
               </a:rPr>
               <a:t>2</a:t>
             </a:r>
             <a:r>
-              <a:rPr lang="zh-CN" altLang="en-US" dirty="0" smtClean="0">
+              <a:rPr lang="zh-CN" altLang="en-US" dirty="0">
                 <a:latin typeface="+mn-ea"/>
               </a:rPr>
               <a:t>、封装</a:t>
             </a:r>
             <a:r>
-              <a:rPr lang="en-US" altLang="zh-CN" dirty="0" err="1" smtClean="0">
+              <a:rPr lang="en-US" altLang="zh-CN" dirty="0" err="1">
                 <a:latin typeface="+mn-ea"/>
               </a:rPr>
               <a:t>SendHttp</a:t>
             </a:r>
             <a:r>
-              <a:rPr lang="zh-CN" altLang="en-US" dirty="0" smtClean="0">
+              <a:rPr lang="zh-CN" altLang="en-US" dirty="0">
                 <a:latin typeface="+mn-ea"/>
               </a:rPr>
               <a:t>类发送</a:t>
             </a:r>
             <a:r>
-              <a:rPr lang="en-US" altLang="zh-CN" dirty="0" smtClean="0">
+              <a:rPr lang="en-US" altLang="zh-CN" dirty="0">
                 <a:latin typeface="+mn-ea"/>
               </a:rPr>
               <a:t>Http</a:t>
             </a:r>
             <a:r>
-              <a:rPr lang="zh-CN" altLang="en-US" dirty="0" smtClean="0">
+              <a:rPr lang="zh-CN" altLang="en-US" dirty="0">
                 <a:latin typeface="+mn-ea"/>
               </a:rPr>
               <a:t>请求</a:t>
             </a:r>
-            <a:endParaRPr lang="en-US" altLang="zh-CN" dirty="0" smtClean="0">
+            <a:endParaRPr lang="en-US" altLang="zh-CN" dirty="0">
               <a:latin typeface="+mn-ea"/>
             </a:endParaRPr>
           </a:p>
@@ -2830,20 +2634,20 @@
               <a:t>3</a:t>
             </a:r>
             <a:r>
-              <a:rPr lang="zh-CN" altLang="en-US" dirty="0" smtClean="0">
+              <a:rPr lang="zh-CN" altLang="en-US" dirty="0">
                 <a:latin typeface="+mn-ea"/>
               </a:rPr>
               <a:t>、使用</a:t>
             </a:r>
             <a:r>
-              <a:rPr lang="en-US" altLang="zh-CN" dirty="0" err="1" smtClean="0"/>
+              <a:rPr lang="en-US" altLang="zh-CN" dirty="0" err="1"/>
               <a:t>unittest</a:t>
             </a:r>
             <a:r>
-              <a:rPr lang="zh-CN" altLang="en-US" dirty="0" smtClean="0"/>
-              <a:t>管理测试用例</a:t>
-            </a:r>
-            <a:endParaRPr lang="en-US" altLang="zh-CN" dirty="0" smtClean="0"/>
+              <a:rPr lang="zh-CN" altLang="en-US"/>
+              <a:t>管理测试用例，断言</a:t>
+            </a:r>
+            <a:endParaRPr lang="en-US" altLang="zh-CN" dirty="0"/>
           </a:p>
           <a:p>
             <a:pPr marL="0" indent="0">
@@ -2853,26 +2657,26 @@
               <a:buNone/>
             </a:pPr>
             <a:r>
-              <a:rPr lang="en-US" altLang="zh-CN" dirty="0" smtClean="0">
+              <a:rPr lang="en-US" altLang="zh-CN" dirty="0">
                 <a:latin typeface="+mn-ea"/>
               </a:rPr>
               <a:t>4</a:t>
             </a:r>
             <a:r>
-              <a:rPr lang="zh-CN" altLang="en-US" dirty="0" smtClean="0">
+              <a:rPr lang="zh-CN" altLang="en-US" dirty="0">
                 <a:latin typeface="+mn-ea"/>
               </a:rPr>
               <a:t>、使用</a:t>
             </a:r>
             <a:r>
-              <a:rPr lang="en-US" altLang="zh-CN" dirty="0" err="1" smtClean="0"/>
+              <a:rPr lang="en-US" altLang="zh-CN" dirty="0" err="1"/>
               <a:t>HTMLTestRunner</a:t>
             </a:r>
             <a:r>
-              <a:rPr lang="zh-CN" altLang="en-US" dirty="0" smtClean="0"/>
+              <a:rPr lang="zh-CN" altLang="en-US" dirty="0"/>
               <a:t>生成测试报告</a:t>
             </a:r>
-            <a:endParaRPr lang="en-US" altLang="zh-CN" dirty="0" smtClean="0"/>
+            <a:endParaRPr lang="en-US" altLang="zh-CN" dirty="0"/>
           </a:p>
           <a:p>
             <a:pPr marL="0" indent="0">
@@ -2888,28 +2692,28 @@
               <a:t>5</a:t>
             </a:r>
             <a:r>
-              <a:rPr lang="zh-CN" altLang="en-US" dirty="0" smtClean="0">
+              <a:rPr lang="zh-CN" altLang="en-US" dirty="0">
                 <a:latin typeface="+mn-ea"/>
               </a:rPr>
               <a:t>、使用</a:t>
             </a:r>
             <a:r>
-              <a:rPr lang="en-US" altLang="zh-CN" dirty="0" err="1" smtClean="0"/>
+              <a:rPr lang="en-US" altLang="zh-CN" dirty="0" err="1"/>
               <a:t>xlrd</a:t>
             </a:r>
             <a:r>
-              <a:rPr lang="zh-CN" altLang="en-US" dirty="0" smtClean="0"/>
+              <a:rPr lang="zh-CN" altLang="en-US" dirty="0"/>
               <a:t>包操作</a:t>
             </a:r>
             <a:r>
-              <a:rPr lang="en-US" altLang="zh-CN" dirty="0" smtClean="0"/>
+              <a:rPr lang="en-US" altLang="zh-CN" dirty="0"/>
               <a:t>excel</a:t>
             </a:r>
             <a:r>
-              <a:rPr lang="zh-CN" altLang="en-US" dirty="0" smtClean="0"/>
+              <a:rPr lang="zh-CN" altLang="en-US" dirty="0"/>
               <a:t>文件，实现数据驱动</a:t>
             </a:r>
-            <a:endParaRPr lang="en-US" altLang="zh-CN" dirty="0" smtClean="0"/>
+            <a:endParaRPr lang="en-US" altLang="zh-CN" dirty="0"/>
           </a:p>
           <a:p>
             <a:pPr marL="0" indent="0">
@@ -2923,18 +2727,17 @@
               <a:t>6</a:t>
             </a:r>
             <a:r>
-              <a:rPr lang="zh-CN" altLang="en-US" dirty="0" smtClean="0"/>
+              <a:rPr lang="zh-CN" altLang="en-US" dirty="0"/>
               <a:t>、使用</a:t>
             </a:r>
             <a:r>
-              <a:rPr lang="en-US" altLang="zh-CN" dirty="0" err="1" smtClean="0"/>
+              <a:rPr lang="en-US" altLang="zh-CN" dirty="0" err="1"/>
               <a:t>smtplib</a:t>
             </a:r>
             <a:r>
-              <a:rPr lang="zh-CN" altLang="en-US" dirty="0" smtClean="0"/>
+              <a:rPr lang="zh-CN" altLang="en-US" dirty="0"/>
               <a:t>将测试报告发送邮件</a:t>
             </a:r>
-            <a:endParaRPr lang="zh-CN" altLang="en-US" dirty="0"/>
           </a:p>
         </p:txBody>
       </p:sp>
@@ -2956,10 +2759,9 @@
           <a:lstStyle/>
           <a:p>
             <a:r>
-              <a:rPr lang="zh-CN" altLang="en-US" dirty="0" smtClean="0"/>
+              <a:rPr lang="zh-CN" altLang="en-US" dirty="0"/>
               <a:t>接口自动化框架的实施步骤</a:t>
             </a:r>
-            <a:endParaRPr lang="zh-CN" altLang="en-US" dirty="0"/>
           </a:p>
         </p:txBody>
       </p:sp>
@@ -3012,13 +2814,8 @@
           <a:p>
             <a:r>
               <a:rPr lang="zh-CN" altLang="en-US" dirty="0"/>
-              <a:t>封装获取常量</a:t>
-            </a:r>
-            <a:r>
-              <a:rPr lang="zh-CN" altLang="en-US" dirty="0" smtClean="0"/>
-              <a:t>方法</a:t>
-            </a:r>
-            <a:endParaRPr lang="zh-CN" altLang="en-US" dirty="0"/>
+              <a:t>封装获取常量方法</a:t>
+            </a:r>
           </a:p>
         </p:txBody>
       </p:sp>
@@ -3114,18 +2911,18 @@
               </a:lnSpc>
             </a:pPr>
             <a:r>
-              <a:rPr lang="en-US" altLang="zh-CN" dirty="0" smtClean="0">
+              <a:rPr lang="en-US" altLang="zh-CN" dirty="0">
                 <a:latin typeface="+mn-ea"/>
               </a:rPr>
               <a:t>1</a:t>
             </a:r>
             <a:r>
-              <a:rPr lang="zh-CN" altLang="en-US" dirty="0" smtClean="0">
+              <a:rPr lang="zh-CN" altLang="en-US" dirty="0">
                 <a:latin typeface="+mn-ea"/>
               </a:rPr>
               <a:t>、存储域名</a:t>
             </a:r>
-            <a:endParaRPr lang="en-US" altLang="zh-CN" dirty="0" smtClean="0">
+            <a:endParaRPr lang="en-US" altLang="zh-CN" dirty="0">
               <a:latin typeface="+mn-ea"/>
             </a:endParaRPr>
           </a:p>
@@ -3136,32 +2933,29 @@
               </a:lnSpc>
             </a:pPr>
             <a:r>
-              <a:rPr lang="en-US" altLang="zh-CN" dirty="0" smtClean="0">
+              <a:rPr lang="en-US" altLang="zh-CN" dirty="0">
                 <a:latin typeface="+mn-ea"/>
               </a:rPr>
               <a:t>2</a:t>
             </a:r>
             <a:r>
-              <a:rPr lang="zh-CN" altLang="en-US" dirty="0" smtClean="0">
+              <a:rPr lang="zh-CN" altLang="en-US" dirty="0">
                 <a:latin typeface="+mn-ea"/>
               </a:rPr>
               <a:t>、存储获得</a:t>
             </a:r>
             <a:r>
-              <a:rPr lang="en-US" altLang="zh-CN" dirty="0" smtClean="0">
+              <a:rPr lang="en-US" altLang="zh-CN" dirty="0">
                 <a:latin typeface="+mn-ea"/>
               </a:rPr>
               <a:t>cookie</a:t>
             </a:r>
             <a:r>
-              <a:rPr lang="zh-CN" altLang="en-US" dirty="0" smtClean="0">
+              <a:rPr lang="zh-CN" altLang="en-US" dirty="0">
                 <a:latin typeface="+mn-ea"/>
               </a:rPr>
               <a:t>方法</a:t>
             </a:r>
-            <a:endParaRPr lang="zh-CN" altLang="en-US" dirty="0">
-              <a:latin typeface="+mn-ea"/>
-            </a:endParaRPr>
           </a:p>
         </p:txBody>
       </p:sp>
@@ -3175,13 +2969,6 @@
   <p:clrMapOvr>
     <a:masterClrMapping/>
   </p:clrMapOvr>
-  <p:timing>
-    <p:tnLst>
-      <p:par>
-        <p:cTn id="1" dur="indefinite" restart="never" nodeType="tmRoot"/>
-      </p:par>
-    </p:tnLst>
-  </p:timing>
 </p:sld>
 </file>
 
@@ -3220,14 +3007,13 @@
           <a:lstStyle/>
           <a:p>
             <a:r>
-              <a:rPr lang="en-US" altLang="zh-CN" dirty="0" smtClean="0"/>
+              <a:rPr lang="en-US" altLang="zh-CN" dirty="0"/>
               <a:t>cookie</a:t>
             </a:r>
             <a:r>
-              <a:rPr lang="zh-CN" altLang="en-US" dirty="0" smtClean="0"/>
+              <a:rPr lang="zh-CN" altLang="en-US" dirty="0"/>
               <a:t>的获取</a:t>
             </a:r>
-            <a:endParaRPr lang="zh-CN" altLang="en-US" dirty="0"/>
           </a:p>
         </p:txBody>
       </p:sp>
@@ -3305,13 +3091,6 @@
   <p:clrMapOvr>
     <a:masterClrMapping/>
   </p:clrMapOvr>
-  <p:timing>
-    <p:tnLst>
-      <p:par>
-        <p:cTn id="1" dur="indefinite" restart="never" nodeType="tmRoot"/>
-      </p:par>
-    </p:tnLst>
-  </p:timing>
 </p:sld>
 </file>
 
@@ -3355,31 +3134,31 @@
               </a:lnSpc>
             </a:pPr>
             <a:r>
-              <a:rPr lang="zh-CN" altLang="en-US" sz="2800" dirty="0" smtClean="0">
+              <a:rPr lang="zh-CN" altLang="en-US" sz="2800" dirty="0">
                 <a:latin typeface="+mn-ea"/>
               </a:rPr>
               <a:t>每个接口对应响应的</a:t>
             </a:r>
             <a:r>
-              <a:rPr lang="en-US" altLang="zh-CN" sz="2800" dirty="0" smtClean="0">
+              <a:rPr lang="en-US" altLang="zh-CN" sz="2800" dirty="0">
                 <a:latin typeface="+mn-ea"/>
               </a:rPr>
               <a:t>.</a:t>
             </a:r>
             <a:r>
-              <a:rPr lang="en-US" altLang="zh-CN" sz="2800" dirty="0" err="1" smtClean="0">
+              <a:rPr lang="en-US" altLang="zh-CN" sz="2800" dirty="0" err="1">
                 <a:latin typeface="+mn-ea"/>
               </a:rPr>
               <a:t>py</a:t>
             </a:r>
             <a:r>
-              <a:rPr lang="zh-CN" altLang="en-US" sz="2800" dirty="0" smtClean="0">
+              <a:rPr lang="zh-CN" altLang="en-US" sz="2800" dirty="0">
                 <a:latin typeface="+mn-ea"/>
               </a:rPr>
               <a:t>文件，如</a:t>
             </a:r>
             <a:r>
-              <a:rPr lang="en-US" altLang="zh-CN" sz="2800" dirty="0" smtClean="0">
+              <a:rPr lang="en-US" altLang="zh-CN" sz="2800" dirty="0">
                 <a:latin typeface="+mn-ea"/>
               </a:rPr>
               <a:t>login_test.py</a:t>
@@ -3392,12 +3171,12 @@
               </a:lnSpc>
             </a:pPr>
             <a:r>
-              <a:rPr lang="zh-CN" altLang="en-US" sz="2800" dirty="0" smtClean="0">
+              <a:rPr lang="zh-CN" altLang="en-US" sz="2800" dirty="0">
                 <a:latin typeface="+mn-ea"/>
               </a:rPr>
               <a:t>每个文件中需要包含通过和失败的测试用例</a:t>
             </a:r>
-            <a:endParaRPr lang="en-US" altLang="zh-CN" sz="2800" dirty="0" smtClean="0">
+            <a:endParaRPr lang="en-US" altLang="zh-CN" sz="2800" dirty="0">
               <a:latin typeface="+mn-ea"/>
             </a:endParaRPr>
           </a:p>
@@ -3408,14 +3187,11 @@
               </a:lnSpc>
             </a:pPr>
             <a:r>
-              <a:rPr lang="zh-CN" altLang="en-US" sz="2800" dirty="0" smtClean="0">
+              <a:rPr lang="zh-CN" altLang="en-US" sz="2800" dirty="0">
                 <a:latin typeface="+mn-ea"/>
               </a:rPr>
               <a:t>包含断言</a:t>
             </a:r>
-            <a:endParaRPr lang="zh-CN" altLang="en-US" sz="2800" dirty="0">
-              <a:latin typeface="+mn-ea"/>
-            </a:endParaRPr>
           </a:p>
         </p:txBody>
       </p:sp>
@@ -3450,13 +3226,8 @@
             </a:r>
             <a:r>
               <a:rPr lang="zh-CN" altLang="en-US" dirty="0"/>
-              <a:t>的管理及</a:t>
-            </a:r>
-            <a:r>
-              <a:rPr lang="zh-CN" altLang="en-US" dirty="0" smtClean="0"/>
-              <a:t>运用</a:t>
-            </a:r>
-            <a:endParaRPr lang="zh-CN" altLang="en-US" dirty="0"/>
+              <a:t>的管理及运用</a:t>
+            </a:r>
           </a:p>
         </p:txBody>
       </p:sp>
@@ -3470,13 +3241,6 @@
   <p:clrMapOvr>
     <a:masterClrMapping/>
   </p:clrMapOvr>
-  <p:timing>
-    <p:tnLst>
-      <p:par>
-        <p:cTn id="1" dur="indefinite" restart="never" nodeType="tmRoot"/>
-      </p:par>
-    </p:tnLst>
-  </p:timing>
 </p:sld>
 </file>
 
@@ -3528,13 +3292,8 @@
             </a:r>
             <a:r>
               <a:rPr lang="zh-CN" altLang="en-US" dirty="0"/>
-              <a:t>重构</a:t>
-            </a:r>
-            <a:r>
-              <a:rPr lang="zh-CN" altLang="en-US" dirty="0" smtClean="0"/>
-              <a:t>封装</a:t>
-            </a:r>
-            <a:endParaRPr lang="zh-CN" altLang="en-US" dirty="0"/>
+              <a:t>重构封装</a:t>
+            </a:r>
           </a:p>
         </p:txBody>
       </p:sp>
@@ -3612,13 +3371,6 @@
   <p:clrMapOvr>
     <a:masterClrMapping/>
   </p:clrMapOvr>
-  <p:timing>
-    <p:tnLst>
-      <p:par>
-        <p:cTn id="1" dur="indefinite" restart="never" nodeType="tmRoot"/>
-      </p:par>
-    </p:tnLst>
-  </p:timing>
 </p:sld>
 </file>
 
@@ -3718,13 +3470,8 @@
             </a:r>
             <a:r>
               <a:rPr lang="zh-CN" altLang="en-US" dirty="0"/>
-              <a:t>结合生成</a:t>
-            </a:r>
-            <a:r>
-              <a:rPr lang="zh-CN" altLang="en-US" dirty="0" smtClean="0"/>
-              <a:t>报告</a:t>
-            </a:r>
-            <a:endParaRPr lang="zh-CN" altLang="en-US" dirty="0"/>
+              <a:t>结合生成报告</a:t>
+            </a:r>
           </a:p>
         </p:txBody>
       </p:sp>
@@ -3802,13 +3549,6 @@
   <p:clrMapOvr>
     <a:masterClrMapping/>
   </p:clrMapOvr>
-  <p:timing>
-    <p:tnLst>
-      <p:par>
-        <p:cTn id="1" dur="indefinite" restart="never" nodeType="tmRoot"/>
-      </p:par>
-    </p:tnLst>
-  </p:timing>
 </p:sld>
 </file>
 
@@ -3958,13 +3698,6 @@
   <p:clrMapOvr>
     <a:masterClrMapping/>
   </p:clrMapOvr>
-  <p:timing>
-    <p:tnLst>
-      <p:par>
-        <p:cTn id="1" dur="indefinite" restart="never" nodeType="tmRoot"/>
-      </p:par>
-    </p:tnLst>
-  </p:timing>
 </p:sld>
 </file>
 
@@ -4016,7 +3749,7 @@
               <a:rPr lang="en-US" altLang="zh-CN" sz="2400" dirty="0" err="1"/>
               <a:t>xlrd</a:t>
             </a:r>
-            <a:endParaRPr lang="en-US" altLang="zh-CN" sz="2400" dirty="0" smtClean="0"/>
+            <a:endParaRPr lang="en-US" altLang="zh-CN" sz="2400" dirty="0"/>
           </a:p>
           <a:p>
             <a:pPr marL="0" indent="0">
@@ -4026,11 +3759,11 @@
               <a:buNone/>
             </a:pPr>
             <a:r>
-              <a:rPr lang="en-US" altLang="zh-CN" sz="2400" b="1" dirty="0" err="1" smtClean="0"/>
+              <a:rPr lang="en-US" altLang="zh-CN" sz="2400" b="1" dirty="0" err="1"/>
               <a:t>def</a:t>
             </a:r>
             <a:r>
-              <a:rPr lang="en-US" altLang="zh-CN" sz="2400" b="1" dirty="0" smtClean="0"/>
+              <a:rPr lang="en-US" altLang="zh-CN" sz="2400" b="1" dirty="0"/>
               <a:t> </a:t>
             </a:r>
             <a:r>
@@ -4137,13 +3870,8 @@
             </a:r>
             <a:r>
               <a:rPr lang="zh-CN" altLang="en-US" dirty="0"/>
-              <a:t>获得</a:t>
-            </a:r>
-            <a:r>
-              <a:rPr lang="zh-CN" altLang="en-US" dirty="0" smtClean="0"/>
-              <a:t>内容</a:t>
-            </a:r>
-            <a:endParaRPr lang="zh-CN" altLang="en-US" dirty="0"/>
+              <a:t>获得内容</a:t>
+            </a:r>
           </a:p>
         </p:txBody>
       </p:sp>
@@ -4157,13 +3885,6 @@
   <p:clrMapOvr>
     <a:masterClrMapping/>
   </p:clrMapOvr>
-  <p:timing>
-    <p:tnLst>
-      <p:par>
-        <p:cTn id="1" dur="indefinite" restart="never" nodeType="tmRoot"/>
-      </p:par>
-    </p:tnLst>
-  </p:timing>
 </p:sld>
 </file>
 
